--- a/materials/slides/2.5 探索式软件测试 ——”地标“测试法 .pptx
+++ b/materials/slides/2.5 探索式软件测试 ——”地标“测试法 .pptx
@@ -5,16 +5,16 @@
     <p:sldMasterId id="2147483648" r:id="rId1"/>
   </p:sldMasterIdLst>
   <p:notesMasterIdLst>
-    <p:notesMasterId r:id="rId18"/>
+    <p:notesMasterId r:id="rId19"/>
   </p:notesMasterIdLst>
   <p:sldIdLst>
     <p:sldId id="256" r:id="rId2"/>
     <p:sldId id="261" r:id="rId3"/>
-    <p:sldId id="297" r:id="rId4"/>
-    <p:sldId id="298" r:id="rId5"/>
+    <p:sldId id="298" r:id="rId4"/>
+    <p:sldId id="297" r:id="rId5"/>
     <p:sldId id="299" r:id="rId6"/>
-    <p:sldId id="300" r:id="rId7"/>
-    <p:sldId id="301" r:id="rId8"/>
+    <p:sldId id="301" r:id="rId7"/>
+    <p:sldId id="300" r:id="rId8"/>
     <p:sldId id="306" r:id="rId9"/>
     <p:sldId id="302" r:id="rId10"/>
     <p:sldId id="303" r:id="rId11"/>
@@ -23,7 +23,8 @@
     <p:sldId id="308" r:id="rId14"/>
     <p:sldId id="309" r:id="rId15"/>
     <p:sldId id="305" r:id="rId16"/>
-    <p:sldId id="274" r:id="rId17"/>
+    <p:sldId id="310" r:id="rId17"/>
+    <p:sldId id="274" r:id="rId18"/>
   </p:sldIdLst>
   <p:sldSz cx="12192000" cy="6858000"/>
   <p:notesSz cx="6858000" cy="9144000"/>
@@ -215,7 +216,7 @@
           <a:p>
             <a:fld id="{EC82124A-F363-4BD3-8BA5-C8EDB8A4673E}" type="datetimeFigureOut">
               <a:rPr lang="zh-CN" altLang="en-US" smtClean="0"/>
-              <a:t>2019/8/25</a:t>
+              <a:t>2019/9/18</a:t>
             </a:fld>
             <a:endParaRPr lang="zh-CN" altLang="en-US"/>
           </a:p>
@@ -700,7 +701,7 @@
           <a:p>
             <a:fld id="{8D7ACA88-C620-47A1-A6D3-F68F6DD6FEE9}" type="slidenum">
               <a:rPr lang="zh-CN" altLang="en-US" smtClean="0"/>
-              <a:t>3</a:t>
+              <a:t>4</a:t>
             </a:fld>
             <a:endParaRPr lang="zh-CN" altLang="en-US"/>
           </a:p>
@@ -938,7 +939,7 @@
           <a:p>
             <a:fld id="{C04CF4A6-17F9-4CD5-BCB8-44B65F331829}" type="datetimeFigureOut">
               <a:rPr lang="zh-CN" altLang="en-US" smtClean="0"/>
-              <a:t>2019/8/25</a:t>
+              <a:t>2019/9/18</a:t>
             </a:fld>
             <a:endParaRPr lang="zh-CN" altLang="en-US"/>
           </a:p>
@@ -1230,7 +1231,7 @@
           <a:p>
             <a:fld id="{C04CF4A6-17F9-4CD5-BCB8-44B65F331829}" type="datetimeFigureOut">
               <a:rPr lang="zh-CN" altLang="en-US" smtClean="0"/>
-              <a:t>2019/8/25</a:t>
+              <a:t>2019/9/18</a:t>
             </a:fld>
             <a:endParaRPr lang="zh-CN" altLang="en-US"/>
           </a:p>
@@ -1400,7 +1401,7 @@
           <a:p>
             <a:fld id="{C04CF4A6-17F9-4CD5-BCB8-44B65F331829}" type="datetimeFigureOut">
               <a:rPr lang="zh-CN" altLang="en-US" smtClean="0"/>
-              <a:t>2019/8/25</a:t>
+              <a:t>2019/9/18</a:t>
             </a:fld>
             <a:endParaRPr lang="zh-CN" altLang="en-US"/>
           </a:p>
@@ -1580,7 +1581,7 @@
           <a:p>
             <a:fld id="{C04CF4A6-17F9-4CD5-BCB8-44B65F331829}" type="datetimeFigureOut">
               <a:rPr lang="zh-CN" altLang="en-US" smtClean="0"/>
-              <a:t>2019/8/25</a:t>
+              <a:t>2019/9/18</a:t>
             </a:fld>
             <a:endParaRPr lang="zh-CN" altLang="en-US"/>
           </a:p>
@@ -1804,7 +1805,7 @@
           <a:p>
             <a:fld id="{C04CF4A6-17F9-4CD5-BCB8-44B65F331829}" type="datetimeFigureOut">
               <a:rPr lang="zh-CN" altLang="en-US" smtClean="0"/>
-              <a:t>2019/8/25</a:t>
+              <a:t>2019/9/18</a:t>
             </a:fld>
             <a:endParaRPr lang="zh-CN" altLang="en-US"/>
           </a:p>
@@ -2101,7 +2102,7 @@
           <a:p>
             <a:fld id="{C04CF4A6-17F9-4CD5-BCB8-44B65F331829}" type="datetimeFigureOut">
               <a:rPr lang="zh-CN" altLang="en-US" smtClean="0"/>
-              <a:t>2019/8/25</a:t>
+              <a:t>2019/9/18</a:t>
             </a:fld>
             <a:endParaRPr lang="zh-CN" altLang="en-US"/>
           </a:p>
@@ -2420,7 +2421,7 @@
           <a:p>
             <a:fld id="{C04CF4A6-17F9-4CD5-BCB8-44B65F331829}" type="datetimeFigureOut">
               <a:rPr lang="zh-CN" altLang="en-US" smtClean="0"/>
-              <a:t>2019/8/25</a:t>
+              <a:t>2019/9/18</a:t>
             </a:fld>
             <a:endParaRPr lang="zh-CN" altLang="en-US"/>
           </a:p>
@@ -2652,7 +2653,7 @@
           <a:p>
             <a:fld id="{C04CF4A6-17F9-4CD5-BCB8-44B65F331829}" type="datetimeFigureOut">
               <a:rPr lang="zh-CN" altLang="en-US" smtClean="0"/>
-              <a:t>2019/8/25</a:t>
+              <a:t>2019/9/18</a:t>
             </a:fld>
             <a:endParaRPr lang="zh-CN" altLang="en-US"/>
           </a:p>
@@ -3019,7 +3020,7 @@
           <a:p>
             <a:fld id="{C04CF4A6-17F9-4CD5-BCB8-44B65F331829}" type="datetimeFigureOut">
               <a:rPr lang="zh-CN" altLang="en-US" smtClean="0"/>
-              <a:t>2019/8/25</a:t>
+              <a:t>2019/9/18</a:t>
             </a:fld>
             <a:endParaRPr lang="zh-CN" altLang="en-US"/>
           </a:p>
@@ -3137,7 +3138,7 @@
           <a:p>
             <a:fld id="{C04CF4A6-17F9-4CD5-BCB8-44B65F331829}" type="datetimeFigureOut">
               <a:rPr lang="zh-CN" altLang="en-US" smtClean="0"/>
-              <a:t>2019/8/25</a:t>
+              <a:t>2019/9/18</a:t>
             </a:fld>
             <a:endParaRPr lang="zh-CN" altLang="en-US"/>
           </a:p>
@@ -3232,7 +3233,7 @@
           <a:p>
             <a:fld id="{C04CF4A6-17F9-4CD5-BCB8-44B65F331829}" type="datetimeFigureOut">
               <a:rPr lang="zh-CN" altLang="en-US" smtClean="0"/>
-              <a:t>2019/8/25</a:t>
+              <a:t>2019/9/18</a:t>
             </a:fld>
             <a:endParaRPr lang="zh-CN" altLang="en-US"/>
           </a:p>
@@ -3509,7 +3510,7 @@
           <a:p>
             <a:fld id="{C04CF4A6-17F9-4CD5-BCB8-44B65F331829}" type="datetimeFigureOut">
               <a:rPr lang="zh-CN" altLang="en-US" smtClean="0"/>
-              <a:t>2019/8/25</a:t>
+              <a:t>2019/9/18</a:t>
             </a:fld>
             <a:endParaRPr lang="zh-CN" altLang="en-US"/>
           </a:p>
@@ -3722,7 +3723,7 @@
           <a:p>
             <a:fld id="{C04CF4A6-17F9-4CD5-BCB8-44B65F331829}" type="datetimeFigureOut">
               <a:rPr lang="zh-CN" altLang="en-US" smtClean="0"/>
-              <a:t>2019/8/25</a:t>
+              <a:t>2019/9/18</a:t>
             </a:fld>
             <a:endParaRPr lang="zh-CN" altLang="en-US"/>
           </a:p>
@@ -4574,6 +4575,13 @@
   <p:clrMapOvr>
     <a:masterClrMapping/>
   </p:clrMapOvr>
+  <p:timing>
+    <p:tnLst>
+      <p:par>
+        <p:cTn id="1" dur="indefinite" restart="never" nodeType="tmRoot"/>
+      </p:par>
+    </p:tnLst>
+  </p:timing>
 </p:sld>
 </file>
 
@@ -4694,6 +4702,13 @@
   <p:clrMapOvr>
     <a:masterClrMapping/>
   </p:clrMapOvr>
+  <p:timing>
+    <p:tnLst>
+      <p:par>
+        <p:cTn id="1" dur="indefinite" restart="never" nodeType="tmRoot"/>
+      </p:par>
+    </p:tnLst>
+  </p:timing>
 </p:sld>
 </file>
 
@@ -4778,6 +4793,13 @@
   <p:clrMapOvr>
     <a:masterClrMapping/>
   </p:clrMapOvr>
+  <p:timing>
+    <p:tnLst>
+      <p:par>
+        <p:cTn id="1" dur="indefinite" restart="never" nodeType="tmRoot"/>
+      </p:par>
+    </p:tnLst>
+  </p:timing>
 </p:sld>
 </file>
 
@@ -4893,6 +4915,130 @@
       </p:grpSpPr>
       <p:sp>
         <p:nvSpPr>
+          <p:cNvPr id="2" name="标题 1"/>
+          <p:cNvSpPr>
+            <a:spLocks noGrp="1"/>
+          </p:cNvSpPr>
+          <p:nvPr>
+            <p:ph type="title"/>
+          </p:nvPr>
+        </p:nvSpPr>
+        <p:spPr/>
+        <p:txBody>
+          <a:bodyPr/>
+          <a:lstStyle/>
+          <a:p>
+            <a:r>
+              <a:rPr lang="zh-CN" altLang="en-US" dirty="0" smtClean="0"/>
+              <a:t>练习</a:t>
+            </a:r>
+            <a:endParaRPr lang="zh-CN" altLang="en-US" dirty="0"/>
+          </a:p>
+        </p:txBody>
+      </p:sp>
+      <p:sp>
+        <p:nvSpPr>
+          <p:cNvPr id="3" name="内容占位符 2"/>
+          <p:cNvSpPr>
+            <a:spLocks noGrp="1"/>
+          </p:cNvSpPr>
+          <p:nvPr>
+            <p:ph idx="1"/>
+          </p:nvPr>
+        </p:nvSpPr>
+        <p:spPr/>
+        <p:txBody>
+          <a:bodyPr/>
+          <a:lstStyle/>
+          <a:p>
+            <a:r>
+              <a:rPr lang="zh-CN" altLang="en-US" dirty="0" smtClean="0"/>
+              <a:t>使用手机自带浏览器做“地标”测试法练习</a:t>
+            </a:r>
+            <a:endParaRPr lang="en-US" altLang="zh-CN" dirty="0" smtClean="0"/>
+          </a:p>
+          <a:p>
+            <a:pPr marL="971550" lvl="1" indent="-514350">
+              <a:buFont typeface="+mj-lt"/>
+              <a:buAutoNum type="arabicPeriod"/>
+            </a:pPr>
+            <a:r>
+              <a:rPr lang="zh-CN" altLang="en-US" dirty="0" smtClean="0"/>
+              <a:t>找出地标</a:t>
+            </a:r>
+            <a:endParaRPr lang="en-US" altLang="zh-CN" dirty="0" smtClean="0"/>
+          </a:p>
+          <a:p>
+            <a:pPr marL="971550" lvl="1" indent="-514350">
+              <a:buFont typeface="+mj-lt"/>
+              <a:buAutoNum type="arabicPeriod"/>
+            </a:pPr>
+            <a:r>
+              <a:rPr lang="zh-CN" altLang="en-US" dirty="0" smtClean="0"/>
+              <a:t>调整地标顺序（更换起点，更换顺序做验证）</a:t>
+            </a:r>
+            <a:endParaRPr lang="en-US" altLang="zh-CN" dirty="0" smtClean="0"/>
+          </a:p>
+          <a:p>
+            <a:pPr marL="971550" lvl="1" indent="-514350">
+              <a:buFont typeface="+mj-lt"/>
+              <a:buAutoNum type="arabicPeriod"/>
+            </a:pPr>
+            <a:r>
+              <a:rPr lang="zh-CN" altLang="en-US" dirty="0" smtClean="0"/>
+              <a:t>视图发现其中由于点击顺序改变引发的问题</a:t>
+            </a:r>
+            <a:endParaRPr lang="en-US" altLang="zh-CN" dirty="0" smtClean="0"/>
+          </a:p>
+          <a:p>
+            <a:pPr lvl="1"/>
+            <a:endParaRPr lang="en-US" altLang="zh-CN" dirty="0" smtClean="0"/>
+          </a:p>
+          <a:p>
+            <a:pPr lvl="1"/>
+            <a:endParaRPr lang="zh-CN" altLang="en-US" dirty="0"/>
+          </a:p>
+        </p:txBody>
+      </p:sp>
+    </p:spTree>
+    <p:extLst>
+      <p:ext uri="{BB962C8B-B14F-4D97-AF65-F5344CB8AC3E}">
+        <p14:creationId xmlns:p14="http://schemas.microsoft.com/office/powerpoint/2010/main" val="1121781927"/>
+      </p:ext>
+    </p:extLst>
+  </p:cSld>
+  <p:clrMapOvr>
+    <a:masterClrMapping/>
+  </p:clrMapOvr>
+  <p:timing>
+    <p:tnLst>
+      <p:par>
+        <p:cTn id="1" dur="indefinite" restart="never" nodeType="tmRoot"/>
+      </p:par>
+    </p:tnLst>
+  </p:timing>
+</p:sld>
+</file>
+
+<file path=ppt/slides/slide17.xml><?xml version="1.0" encoding="utf-8"?>
+<p:sld xmlns:a="http://schemas.openxmlformats.org/drawingml/2006/main" xmlns:r="http://schemas.openxmlformats.org/officeDocument/2006/relationships" xmlns:p="http://schemas.openxmlformats.org/presentationml/2006/main">
+  <p:cSld>
+    <p:spTree>
+      <p:nvGrpSpPr>
+        <p:cNvPr id="1" name=""/>
+        <p:cNvGrpSpPr/>
+        <p:nvPr/>
+      </p:nvGrpSpPr>
+      <p:grpSpPr>
+        <a:xfrm>
+          <a:off x="0" y="0"/>
+          <a:ext cx="0" cy="0"/>
+          <a:chOff x="0" y="0"/>
+          <a:chExt cx="0" cy="0"/>
+        </a:xfrm>
+      </p:grpSpPr>
+      <p:sp>
+        <p:nvSpPr>
           <p:cNvPr id="4" name="标题 3"/>
           <p:cNvSpPr>
             <a:spLocks noGrp="1"/>
@@ -4924,6 +5070,13 @@
   <p:clrMapOvr>
     <a:masterClrMapping/>
   </p:clrMapOvr>
+  <p:timing>
+    <p:tnLst>
+      <p:par>
+        <p:cTn id="1" dur="indefinite" restart="never" nodeType="tmRoot"/>
+      </p:par>
+    </p:tnLst>
+  </p:timing>
 </p:sld>
 </file>
 
@@ -5026,10 +5179,433 @@
   <p:clrMapOvr>
     <a:masterClrMapping/>
   </p:clrMapOvr>
+  <p:timing>
+    <p:tnLst>
+      <p:par>
+        <p:cTn id="1" dur="indefinite" restart="never" nodeType="tmRoot"/>
+      </p:par>
+    </p:tnLst>
+  </p:timing>
 </p:sld>
 </file>
 
 <file path=ppt/slides/slide3.xml><?xml version="1.0" encoding="utf-8"?>
+<p:sld xmlns:a="http://schemas.openxmlformats.org/drawingml/2006/main" xmlns:r="http://schemas.openxmlformats.org/officeDocument/2006/relationships" xmlns:p="http://schemas.openxmlformats.org/presentationml/2006/main">
+  <p:cSld>
+    <p:spTree>
+      <p:nvGrpSpPr>
+        <p:cNvPr id="1" name=""/>
+        <p:cNvGrpSpPr/>
+        <p:nvPr/>
+      </p:nvGrpSpPr>
+      <p:grpSpPr>
+        <a:xfrm>
+          <a:off x="0" y="0"/>
+          <a:ext cx="0" cy="0"/>
+          <a:chOff x="0" y="0"/>
+          <a:chExt cx="0" cy="0"/>
+        </a:xfrm>
+      </p:grpSpPr>
+      <p:sp>
+        <p:nvSpPr>
+          <p:cNvPr id="2" name="标题 1"/>
+          <p:cNvSpPr>
+            <a:spLocks noGrp="1"/>
+          </p:cNvSpPr>
+          <p:nvPr>
+            <p:ph type="title"/>
+          </p:nvPr>
+        </p:nvSpPr>
+        <p:spPr/>
+        <p:txBody>
+          <a:bodyPr/>
+          <a:lstStyle/>
+          <a:p>
+            <a:r>
+              <a:rPr lang="zh-CN" altLang="en-US" dirty="0" smtClean="0"/>
+              <a:t>概述</a:t>
+            </a:r>
+            <a:endParaRPr lang="zh-CN" altLang="en-US" dirty="0"/>
+          </a:p>
+        </p:txBody>
+      </p:sp>
+      <p:sp>
+        <p:nvSpPr>
+          <p:cNvPr id="3" name="内容占位符 2"/>
+          <p:cNvSpPr>
+            <a:spLocks noGrp="1"/>
+          </p:cNvSpPr>
+          <p:nvPr>
+            <p:ph idx="1"/>
+          </p:nvPr>
+        </p:nvSpPr>
+        <p:spPr>
+          <a:xfrm>
+            <a:off x="707209" y="1075961"/>
+            <a:ext cx="10515600" cy="4930775"/>
+          </a:xfrm>
+        </p:spPr>
+        <p:txBody>
+          <a:bodyPr/>
+          <a:lstStyle/>
+          <a:p>
+            <a:r>
+              <a:rPr lang="zh-CN" altLang="en-US" dirty="0" smtClean="0"/>
+              <a:t>什么是地标</a:t>
+            </a:r>
+            <a:endParaRPr lang="en-US" altLang="zh-CN" dirty="0" smtClean="0"/>
+          </a:p>
+          <a:p>
+            <a:pPr lvl="1"/>
+            <a:r>
+              <a:rPr lang="zh-CN" altLang="en-US" dirty="0" smtClean="0"/>
+              <a:t>游览北京，计划景点：长城</a:t>
+            </a:r>
+            <a:r>
+              <a:rPr lang="zh-CN" altLang="en-US" dirty="0"/>
+              <a:t>，雍和宫，恭王府，故宫，颐和园，清华大学</a:t>
+            </a:r>
+            <a:r>
+              <a:rPr lang="zh-CN" altLang="en-US" dirty="0" smtClean="0"/>
+              <a:t>等等</a:t>
+            </a:r>
+            <a:endParaRPr lang="en-US" altLang="zh-CN" dirty="0" smtClean="0"/>
+          </a:p>
+          <a:p>
+            <a:pPr lvl="1"/>
+            <a:r>
+              <a:rPr lang="zh-CN" altLang="en-US" dirty="0" smtClean="0"/>
+              <a:t>他们</a:t>
+            </a:r>
+            <a:r>
+              <a:rPr lang="zh-CN" altLang="en-US" dirty="0"/>
+              <a:t>具有一样的特性：重要，</a:t>
+            </a:r>
+            <a:r>
+              <a:rPr lang="zh-CN" altLang="en-US" dirty="0" smtClean="0"/>
+              <a:t>吸引人</a:t>
+            </a:r>
+            <a:endParaRPr lang="en-US" altLang="zh-CN" dirty="0" smtClean="0"/>
+          </a:p>
+          <a:p>
+            <a:pPr lvl="1"/>
+            <a:endParaRPr lang="zh-CN" altLang="en-US" dirty="0"/>
+          </a:p>
+        </p:txBody>
+      </p:sp>
+      <p:sp>
+        <p:nvSpPr>
+          <p:cNvPr id="4" name="AutoShape 2" descr="http://mmbiz.qpic.cn/mmbiz_png/za53OcOES1Tn294udVWWLHMV8OmlFhVeplicV2MeicsMj5gHhUN1vibAaXicIQDPrPOhL1DLHKn63K170lEV7LWqlA/640?wx_fmt=png&amp;tp=webp&amp;wxfrom=5&amp;wx_lazy=1"/>
+          <p:cNvSpPr>
+            <a:spLocks noChangeAspect="1" noChangeArrowheads="1"/>
+          </p:cNvSpPr>
+          <p:nvPr/>
+        </p:nvSpPr>
+        <p:spPr bwMode="auto">
+          <a:xfrm>
+            <a:off x="155575" y="-144463"/>
+            <a:ext cx="304800" cy="304801"/>
+          </a:xfrm>
+          <a:prstGeom prst="rect">
+            <a:avLst/>
+          </a:prstGeom>
+          <a:noFill/>
+          <a:extLst>
+            <a:ext uri="{909E8E84-426E-40DD-AFC4-6F175D3DCCD1}">
+              <a14:hiddenFill xmlns:a14="http://schemas.microsoft.com/office/drawing/2010/main">
+                <a:solidFill>
+                  <a:srgbClr val="FFFFFF"/>
+                </a:solidFill>
+              </a14:hiddenFill>
+            </a:ext>
+          </a:extLst>
+        </p:spPr>
+        <p:txBody>
+          <a:bodyPr vert="horz" wrap="square" lIns="91440" tIns="45720" rIns="91440" bIns="45720" numCol="1" anchor="t" anchorCtr="0" compatLnSpc="1">
+            <a:prstTxWarp prst="textNoShape">
+              <a:avLst/>
+            </a:prstTxWarp>
+          </a:bodyPr>
+          <a:lstStyle/>
+          <a:p>
+            <a:endParaRPr lang="zh-CN" altLang="en-US"/>
+          </a:p>
+        </p:txBody>
+      </p:sp>
+      <p:pic>
+        <p:nvPicPr>
+          <p:cNvPr id="5" name="图片 4"/>
+          <p:cNvPicPr>
+            <a:picLocks noChangeAspect="1"/>
+          </p:cNvPicPr>
+          <p:nvPr/>
+        </p:nvPicPr>
+        <p:blipFill>
+          <a:blip r:embed="rId2"/>
+          <a:stretch>
+            <a:fillRect/>
+          </a:stretch>
+        </p:blipFill>
+        <p:spPr>
+          <a:xfrm>
+            <a:off x="6900284" y="3007107"/>
+            <a:ext cx="5121899" cy="3284352"/>
+          </a:xfrm>
+          <a:prstGeom prst="rect">
+            <a:avLst/>
+          </a:prstGeom>
+        </p:spPr>
+      </p:pic>
+    </p:spTree>
+    <p:extLst>
+      <p:ext uri="{BB962C8B-B14F-4D97-AF65-F5344CB8AC3E}">
+        <p14:creationId xmlns:p14="http://schemas.microsoft.com/office/powerpoint/2010/main" val="1318174978"/>
+      </p:ext>
+    </p:extLst>
+  </p:cSld>
+  <p:clrMapOvr>
+    <a:masterClrMapping/>
+  </p:clrMapOvr>
+  <p:timing>
+    <p:tnLst>
+      <p:par>
+        <p:cTn id="1" dur="indefinite" restart="never" nodeType="tmRoot">
+          <p:childTnLst>
+            <p:seq concurrent="1" nextAc="seek">
+              <p:cTn id="2" dur="indefinite" nodeType="mainSeq">
+                <p:childTnLst>
+                  <p:par>
+                    <p:cTn id="3" fill="hold">
+                      <p:stCondLst>
+                        <p:cond delay="indefinite"/>
+                      </p:stCondLst>
+                      <p:childTnLst>
+                        <p:par>
+                          <p:cTn id="4" fill="hold">
+                            <p:stCondLst>
+                              <p:cond delay="0"/>
+                            </p:stCondLst>
+                            <p:childTnLst>
+                              <p:par>
+                                <p:cTn id="5" presetID="2" presetClass="entr" presetSubtype="4" fill="hold" nodeType="clickEffect">
+                                  <p:stCondLst>
+                                    <p:cond delay="0"/>
+                                  </p:stCondLst>
+                                  <p:childTnLst>
+                                    <p:set>
+                                      <p:cBhvr>
+                                        <p:cTn id="6" dur="1" fill="hold">
+                                          <p:stCondLst>
+                                            <p:cond delay="0"/>
+                                          </p:stCondLst>
+                                        </p:cTn>
+                                        <p:tgtEl>
+                                          <p:spTgt spid="3">
+                                            <p:txEl>
+                                              <p:pRg st="1" end="1"/>
+                                            </p:txEl>
+                                          </p:spTgt>
+                                        </p:tgtEl>
+                                        <p:attrNameLst>
+                                          <p:attrName>style.visibility</p:attrName>
+                                        </p:attrNameLst>
+                                      </p:cBhvr>
+                                      <p:to>
+                                        <p:strVal val="visible"/>
+                                      </p:to>
+                                    </p:set>
+                                    <p:anim calcmode="lin" valueType="num">
+                                      <p:cBhvr additive="base">
+                                        <p:cTn id="7" dur="500" fill="hold"/>
+                                        <p:tgtEl>
+                                          <p:spTgt spid="3">
+                                            <p:txEl>
+                                              <p:pRg st="1" end="1"/>
+                                            </p:txEl>
+                                          </p:spTgt>
+                                        </p:tgtEl>
+                                        <p:attrNameLst>
+                                          <p:attrName>ppt_x</p:attrName>
+                                        </p:attrNameLst>
+                                      </p:cBhvr>
+                                      <p:tavLst>
+                                        <p:tav tm="0">
+                                          <p:val>
+                                            <p:strVal val="#ppt_x"/>
+                                          </p:val>
+                                        </p:tav>
+                                        <p:tav tm="100000">
+                                          <p:val>
+                                            <p:strVal val="#ppt_x"/>
+                                          </p:val>
+                                        </p:tav>
+                                      </p:tavLst>
+                                    </p:anim>
+                                    <p:anim calcmode="lin" valueType="num">
+                                      <p:cBhvr additive="base">
+                                        <p:cTn id="8" dur="500" fill="hold"/>
+                                        <p:tgtEl>
+                                          <p:spTgt spid="3">
+                                            <p:txEl>
+                                              <p:pRg st="1" end="1"/>
+                                            </p:txEl>
+                                          </p:spTgt>
+                                        </p:tgtEl>
+                                        <p:attrNameLst>
+                                          <p:attrName>ppt_y</p:attrName>
+                                        </p:attrNameLst>
+                                      </p:cBhvr>
+                                      <p:tavLst>
+                                        <p:tav tm="0">
+                                          <p:val>
+                                            <p:strVal val="1+#ppt_h/2"/>
+                                          </p:val>
+                                        </p:tav>
+                                        <p:tav tm="100000">
+                                          <p:val>
+                                            <p:strVal val="#ppt_y"/>
+                                          </p:val>
+                                        </p:tav>
+                                      </p:tavLst>
+                                    </p:anim>
+                                  </p:childTnLst>
+                                </p:cTn>
+                              </p:par>
+                            </p:childTnLst>
+                          </p:cTn>
+                        </p:par>
+                      </p:childTnLst>
+                    </p:cTn>
+                  </p:par>
+                  <p:par>
+                    <p:cTn id="9" fill="hold">
+                      <p:stCondLst>
+                        <p:cond delay="indefinite"/>
+                      </p:stCondLst>
+                      <p:childTnLst>
+                        <p:par>
+                          <p:cTn id="10" fill="hold">
+                            <p:stCondLst>
+                              <p:cond delay="0"/>
+                            </p:stCondLst>
+                            <p:childTnLst>
+                              <p:par>
+                                <p:cTn id="11" presetID="2" presetClass="entr" presetSubtype="4" fill="hold" nodeType="clickEffect">
+                                  <p:stCondLst>
+                                    <p:cond delay="0"/>
+                                  </p:stCondLst>
+                                  <p:childTnLst>
+                                    <p:set>
+                                      <p:cBhvr>
+                                        <p:cTn id="12" dur="1" fill="hold">
+                                          <p:stCondLst>
+                                            <p:cond delay="0"/>
+                                          </p:stCondLst>
+                                        </p:cTn>
+                                        <p:tgtEl>
+                                          <p:spTgt spid="3">
+                                            <p:txEl>
+                                              <p:pRg st="2" end="2"/>
+                                            </p:txEl>
+                                          </p:spTgt>
+                                        </p:tgtEl>
+                                        <p:attrNameLst>
+                                          <p:attrName>style.visibility</p:attrName>
+                                        </p:attrNameLst>
+                                      </p:cBhvr>
+                                      <p:to>
+                                        <p:strVal val="visible"/>
+                                      </p:to>
+                                    </p:set>
+                                    <p:anim calcmode="lin" valueType="num">
+                                      <p:cBhvr additive="base">
+                                        <p:cTn id="13" dur="500" fill="hold"/>
+                                        <p:tgtEl>
+                                          <p:spTgt spid="3">
+                                            <p:txEl>
+                                              <p:pRg st="2" end="2"/>
+                                            </p:txEl>
+                                          </p:spTgt>
+                                        </p:tgtEl>
+                                        <p:attrNameLst>
+                                          <p:attrName>ppt_x</p:attrName>
+                                        </p:attrNameLst>
+                                      </p:cBhvr>
+                                      <p:tavLst>
+                                        <p:tav tm="0">
+                                          <p:val>
+                                            <p:strVal val="#ppt_x"/>
+                                          </p:val>
+                                        </p:tav>
+                                        <p:tav tm="100000">
+                                          <p:val>
+                                            <p:strVal val="#ppt_x"/>
+                                          </p:val>
+                                        </p:tav>
+                                      </p:tavLst>
+                                    </p:anim>
+                                    <p:anim calcmode="lin" valueType="num">
+                                      <p:cBhvr additive="base">
+                                        <p:cTn id="14" dur="500" fill="hold"/>
+                                        <p:tgtEl>
+                                          <p:spTgt spid="3">
+                                            <p:txEl>
+                                              <p:pRg st="2" end="2"/>
+                                            </p:txEl>
+                                          </p:spTgt>
+                                        </p:tgtEl>
+                                        <p:attrNameLst>
+                                          <p:attrName>ppt_y</p:attrName>
+                                        </p:attrNameLst>
+                                      </p:cBhvr>
+                                      <p:tavLst>
+                                        <p:tav tm="0">
+                                          <p:val>
+                                            <p:strVal val="1+#ppt_h/2"/>
+                                          </p:val>
+                                        </p:tav>
+                                        <p:tav tm="100000">
+                                          <p:val>
+                                            <p:strVal val="#ppt_y"/>
+                                          </p:val>
+                                        </p:tav>
+                                      </p:tavLst>
+                                    </p:anim>
+                                  </p:childTnLst>
+                                </p:cTn>
+                              </p:par>
+                            </p:childTnLst>
+                          </p:cTn>
+                        </p:par>
+                      </p:childTnLst>
+                    </p:cTn>
+                  </p:par>
+                </p:childTnLst>
+              </p:cTn>
+              <p:prevCondLst>
+                <p:cond evt="onPrev" delay="0">
+                  <p:tgtEl>
+                    <p:sldTgt/>
+                  </p:tgtEl>
+                </p:cond>
+              </p:prevCondLst>
+              <p:nextCondLst>
+                <p:cond evt="onNext" delay="0">
+                  <p:tgtEl>
+                    <p:sldTgt/>
+                  </p:tgtEl>
+                </p:cond>
+              </p:nextCondLst>
+            </p:seq>
+          </p:childTnLst>
+        </p:cTn>
+      </p:par>
+    </p:tnLst>
+  </p:timing>
+</p:sld>
+</file>
+
+<file path=ppt/slides/slide4.xml><?xml version="1.0" encoding="utf-8"?>
 <p:sld xmlns:a="http://schemas.openxmlformats.org/drawingml/2006/main" xmlns:r="http://schemas.openxmlformats.org/officeDocument/2006/relationships" xmlns:p="http://schemas.openxmlformats.org/presentationml/2006/main">
   <p:cSld>
     <p:spTree>
@@ -5524,422 +6100,6 @@
 </p:sld>
 </file>
 
-<file path=ppt/slides/slide4.xml><?xml version="1.0" encoding="utf-8"?>
-<p:sld xmlns:a="http://schemas.openxmlformats.org/drawingml/2006/main" xmlns:r="http://schemas.openxmlformats.org/officeDocument/2006/relationships" xmlns:p="http://schemas.openxmlformats.org/presentationml/2006/main">
-  <p:cSld>
-    <p:spTree>
-      <p:nvGrpSpPr>
-        <p:cNvPr id="1" name=""/>
-        <p:cNvGrpSpPr/>
-        <p:nvPr/>
-      </p:nvGrpSpPr>
-      <p:grpSpPr>
-        <a:xfrm>
-          <a:off x="0" y="0"/>
-          <a:ext cx="0" cy="0"/>
-          <a:chOff x="0" y="0"/>
-          <a:chExt cx="0" cy="0"/>
-        </a:xfrm>
-      </p:grpSpPr>
-      <p:sp>
-        <p:nvSpPr>
-          <p:cNvPr id="2" name="标题 1"/>
-          <p:cNvSpPr>
-            <a:spLocks noGrp="1"/>
-          </p:cNvSpPr>
-          <p:nvPr>
-            <p:ph type="title"/>
-          </p:nvPr>
-        </p:nvSpPr>
-        <p:spPr/>
-        <p:txBody>
-          <a:bodyPr/>
-          <a:lstStyle/>
-          <a:p>
-            <a:r>
-              <a:rPr lang="zh-CN" altLang="en-US" dirty="0" smtClean="0"/>
-              <a:t>概述</a:t>
-            </a:r>
-            <a:endParaRPr lang="zh-CN" altLang="en-US" dirty="0"/>
-          </a:p>
-        </p:txBody>
-      </p:sp>
-      <p:sp>
-        <p:nvSpPr>
-          <p:cNvPr id="3" name="内容占位符 2"/>
-          <p:cNvSpPr>
-            <a:spLocks noGrp="1"/>
-          </p:cNvSpPr>
-          <p:nvPr>
-            <p:ph idx="1"/>
-          </p:nvPr>
-        </p:nvSpPr>
-        <p:spPr>
-          <a:xfrm>
-            <a:off x="707209" y="1075961"/>
-            <a:ext cx="10515600" cy="4930775"/>
-          </a:xfrm>
-        </p:spPr>
-        <p:txBody>
-          <a:bodyPr/>
-          <a:lstStyle/>
-          <a:p>
-            <a:r>
-              <a:rPr lang="zh-CN" altLang="en-US" dirty="0" smtClean="0"/>
-              <a:t>如何使用地标测试法</a:t>
-            </a:r>
-            <a:endParaRPr lang="en-US" altLang="zh-CN" dirty="0" smtClean="0"/>
-          </a:p>
-          <a:p>
-            <a:pPr lvl="1"/>
-            <a:r>
-              <a:rPr lang="zh-CN" altLang="en-US" dirty="0" smtClean="0"/>
-              <a:t>游览北京，计划景点：长城</a:t>
-            </a:r>
-            <a:r>
-              <a:rPr lang="zh-CN" altLang="en-US" dirty="0"/>
-              <a:t>，雍和宫，恭王府，故宫，颐和园，清华大学</a:t>
-            </a:r>
-            <a:r>
-              <a:rPr lang="zh-CN" altLang="en-US" dirty="0" smtClean="0"/>
-              <a:t>等等</a:t>
-            </a:r>
-            <a:endParaRPr lang="en-US" altLang="zh-CN" dirty="0" smtClean="0"/>
-          </a:p>
-          <a:p>
-            <a:pPr lvl="1"/>
-            <a:r>
-              <a:rPr lang="zh-CN" altLang="en-US" dirty="0" smtClean="0"/>
-              <a:t>他们</a:t>
-            </a:r>
-            <a:r>
-              <a:rPr lang="zh-CN" altLang="en-US" dirty="0"/>
-              <a:t>具有一样的特性：重要，</a:t>
-            </a:r>
-            <a:r>
-              <a:rPr lang="zh-CN" altLang="en-US" dirty="0" smtClean="0"/>
-              <a:t>吸引人</a:t>
-            </a:r>
-            <a:endParaRPr lang="en-US" altLang="zh-CN" dirty="0" smtClean="0"/>
-          </a:p>
-          <a:p>
-            <a:pPr lvl="1"/>
-            <a:endParaRPr lang="zh-CN" altLang="en-US" dirty="0"/>
-          </a:p>
-        </p:txBody>
-      </p:sp>
-      <p:sp>
-        <p:nvSpPr>
-          <p:cNvPr id="4" name="AutoShape 2" descr="http://mmbiz.qpic.cn/mmbiz_png/za53OcOES1Tn294udVWWLHMV8OmlFhVeplicV2MeicsMj5gHhUN1vibAaXicIQDPrPOhL1DLHKn63K170lEV7LWqlA/640?wx_fmt=png&amp;tp=webp&amp;wxfrom=5&amp;wx_lazy=1"/>
-          <p:cNvSpPr>
-            <a:spLocks noChangeAspect="1" noChangeArrowheads="1"/>
-          </p:cNvSpPr>
-          <p:nvPr/>
-        </p:nvSpPr>
-        <p:spPr bwMode="auto">
-          <a:xfrm>
-            <a:off x="155575" y="-144463"/>
-            <a:ext cx="304800" cy="304801"/>
-          </a:xfrm>
-          <a:prstGeom prst="rect">
-            <a:avLst/>
-          </a:prstGeom>
-          <a:noFill/>
-          <a:extLst>
-            <a:ext uri="{909E8E84-426E-40DD-AFC4-6F175D3DCCD1}">
-              <a14:hiddenFill xmlns:a14="http://schemas.microsoft.com/office/drawing/2010/main">
-                <a:solidFill>
-                  <a:srgbClr val="FFFFFF"/>
-                </a:solidFill>
-              </a14:hiddenFill>
-            </a:ext>
-          </a:extLst>
-        </p:spPr>
-        <p:txBody>
-          <a:bodyPr vert="horz" wrap="square" lIns="91440" tIns="45720" rIns="91440" bIns="45720" numCol="1" anchor="t" anchorCtr="0" compatLnSpc="1">
-            <a:prstTxWarp prst="textNoShape">
-              <a:avLst/>
-            </a:prstTxWarp>
-          </a:bodyPr>
-          <a:lstStyle/>
-          <a:p>
-            <a:endParaRPr lang="zh-CN" altLang="en-US"/>
-          </a:p>
-        </p:txBody>
-      </p:sp>
-      <p:pic>
-        <p:nvPicPr>
-          <p:cNvPr id="5" name="图片 4"/>
-          <p:cNvPicPr>
-            <a:picLocks noChangeAspect="1"/>
-          </p:cNvPicPr>
-          <p:nvPr/>
-        </p:nvPicPr>
-        <p:blipFill>
-          <a:blip r:embed="rId2"/>
-          <a:stretch>
-            <a:fillRect/>
-          </a:stretch>
-        </p:blipFill>
-        <p:spPr>
-          <a:xfrm>
-            <a:off x="6900284" y="3007107"/>
-            <a:ext cx="5121899" cy="3284352"/>
-          </a:xfrm>
-          <a:prstGeom prst="rect">
-            <a:avLst/>
-          </a:prstGeom>
-        </p:spPr>
-      </p:pic>
-    </p:spTree>
-    <p:extLst>
-      <p:ext uri="{BB962C8B-B14F-4D97-AF65-F5344CB8AC3E}">
-        <p14:creationId xmlns:p14="http://schemas.microsoft.com/office/powerpoint/2010/main" val="1318174978"/>
-      </p:ext>
-    </p:extLst>
-  </p:cSld>
-  <p:clrMapOvr>
-    <a:masterClrMapping/>
-  </p:clrMapOvr>
-  <p:timing>
-    <p:tnLst>
-      <p:par>
-        <p:cTn id="1" dur="indefinite" restart="never" nodeType="tmRoot">
-          <p:childTnLst>
-            <p:seq concurrent="1" nextAc="seek">
-              <p:cTn id="2" dur="indefinite" nodeType="mainSeq">
-                <p:childTnLst>
-                  <p:par>
-                    <p:cTn id="3" fill="hold">
-                      <p:stCondLst>
-                        <p:cond delay="indefinite"/>
-                      </p:stCondLst>
-                      <p:childTnLst>
-                        <p:par>
-                          <p:cTn id="4" fill="hold">
-                            <p:stCondLst>
-                              <p:cond delay="0"/>
-                            </p:stCondLst>
-                            <p:childTnLst>
-                              <p:par>
-                                <p:cTn id="5" presetID="2" presetClass="entr" presetSubtype="4" fill="hold" nodeType="clickEffect">
-                                  <p:stCondLst>
-                                    <p:cond delay="0"/>
-                                  </p:stCondLst>
-                                  <p:childTnLst>
-                                    <p:set>
-                                      <p:cBhvr>
-                                        <p:cTn id="6" dur="1" fill="hold">
-                                          <p:stCondLst>
-                                            <p:cond delay="0"/>
-                                          </p:stCondLst>
-                                        </p:cTn>
-                                        <p:tgtEl>
-                                          <p:spTgt spid="3">
-                                            <p:txEl>
-                                              <p:pRg st="1" end="1"/>
-                                            </p:txEl>
-                                          </p:spTgt>
-                                        </p:tgtEl>
-                                        <p:attrNameLst>
-                                          <p:attrName>style.visibility</p:attrName>
-                                        </p:attrNameLst>
-                                      </p:cBhvr>
-                                      <p:to>
-                                        <p:strVal val="visible"/>
-                                      </p:to>
-                                    </p:set>
-                                    <p:anim calcmode="lin" valueType="num">
-                                      <p:cBhvr additive="base">
-                                        <p:cTn id="7" dur="500" fill="hold"/>
-                                        <p:tgtEl>
-                                          <p:spTgt spid="3">
-                                            <p:txEl>
-                                              <p:pRg st="1" end="1"/>
-                                            </p:txEl>
-                                          </p:spTgt>
-                                        </p:tgtEl>
-                                        <p:attrNameLst>
-                                          <p:attrName>ppt_x</p:attrName>
-                                        </p:attrNameLst>
-                                      </p:cBhvr>
-                                      <p:tavLst>
-                                        <p:tav tm="0">
-                                          <p:val>
-                                            <p:strVal val="#ppt_x"/>
-                                          </p:val>
-                                        </p:tav>
-                                        <p:tav tm="100000">
-                                          <p:val>
-                                            <p:strVal val="#ppt_x"/>
-                                          </p:val>
-                                        </p:tav>
-                                      </p:tavLst>
-                                    </p:anim>
-                                    <p:anim calcmode="lin" valueType="num">
-                                      <p:cBhvr additive="base">
-                                        <p:cTn id="8" dur="500" fill="hold"/>
-                                        <p:tgtEl>
-                                          <p:spTgt spid="3">
-                                            <p:txEl>
-                                              <p:pRg st="1" end="1"/>
-                                            </p:txEl>
-                                          </p:spTgt>
-                                        </p:tgtEl>
-                                        <p:attrNameLst>
-                                          <p:attrName>ppt_y</p:attrName>
-                                        </p:attrNameLst>
-                                      </p:cBhvr>
-                                      <p:tavLst>
-                                        <p:tav tm="0">
-                                          <p:val>
-                                            <p:strVal val="1+#ppt_h/2"/>
-                                          </p:val>
-                                        </p:tav>
-                                        <p:tav tm="100000">
-                                          <p:val>
-                                            <p:strVal val="#ppt_y"/>
-                                          </p:val>
-                                        </p:tav>
-                                      </p:tavLst>
-                                    </p:anim>
-                                  </p:childTnLst>
-                                </p:cTn>
-                              </p:par>
-                            </p:childTnLst>
-                          </p:cTn>
-                        </p:par>
-                      </p:childTnLst>
-                    </p:cTn>
-                  </p:par>
-                  <p:par>
-                    <p:cTn id="9" fill="hold">
-                      <p:stCondLst>
-                        <p:cond delay="indefinite"/>
-                      </p:stCondLst>
-                      <p:childTnLst>
-                        <p:par>
-                          <p:cTn id="10" fill="hold">
-                            <p:stCondLst>
-                              <p:cond delay="0"/>
-                            </p:stCondLst>
-                            <p:childTnLst>
-                              <p:par>
-                                <p:cTn id="11" presetID="2" presetClass="entr" presetSubtype="4" fill="hold" nodeType="clickEffect">
-                                  <p:stCondLst>
-                                    <p:cond delay="0"/>
-                                  </p:stCondLst>
-                                  <p:childTnLst>
-                                    <p:set>
-                                      <p:cBhvr>
-                                        <p:cTn id="12" dur="1" fill="hold">
-                                          <p:stCondLst>
-                                            <p:cond delay="0"/>
-                                          </p:stCondLst>
-                                        </p:cTn>
-                                        <p:tgtEl>
-                                          <p:spTgt spid="3">
-                                            <p:txEl>
-                                              <p:pRg st="2" end="2"/>
-                                            </p:txEl>
-                                          </p:spTgt>
-                                        </p:tgtEl>
-                                        <p:attrNameLst>
-                                          <p:attrName>style.visibility</p:attrName>
-                                        </p:attrNameLst>
-                                      </p:cBhvr>
-                                      <p:to>
-                                        <p:strVal val="visible"/>
-                                      </p:to>
-                                    </p:set>
-                                    <p:anim calcmode="lin" valueType="num">
-                                      <p:cBhvr additive="base">
-                                        <p:cTn id="13" dur="500" fill="hold"/>
-                                        <p:tgtEl>
-                                          <p:spTgt spid="3">
-                                            <p:txEl>
-                                              <p:pRg st="2" end="2"/>
-                                            </p:txEl>
-                                          </p:spTgt>
-                                        </p:tgtEl>
-                                        <p:attrNameLst>
-                                          <p:attrName>ppt_x</p:attrName>
-                                        </p:attrNameLst>
-                                      </p:cBhvr>
-                                      <p:tavLst>
-                                        <p:tav tm="0">
-                                          <p:val>
-                                            <p:strVal val="#ppt_x"/>
-                                          </p:val>
-                                        </p:tav>
-                                        <p:tav tm="100000">
-                                          <p:val>
-                                            <p:strVal val="#ppt_x"/>
-                                          </p:val>
-                                        </p:tav>
-                                      </p:tavLst>
-                                    </p:anim>
-                                    <p:anim calcmode="lin" valueType="num">
-                                      <p:cBhvr additive="base">
-                                        <p:cTn id="14" dur="500" fill="hold"/>
-                                        <p:tgtEl>
-                                          <p:spTgt spid="3">
-                                            <p:txEl>
-                                              <p:pRg st="2" end="2"/>
-                                            </p:txEl>
-                                          </p:spTgt>
-                                        </p:tgtEl>
-                                        <p:attrNameLst>
-                                          <p:attrName>ppt_y</p:attrName>
-                                        </p:attrNameLst>
-                                      </p:cBhvr>
-                                      <p:tavLst>
-                                        <p:tav tm="0">
-                                          <p:val>
-                                            <p:strVal val="1+#ppt_h/2"/>
-                                          </p:val>
-                                        </p:tav>
-                                        <p:tav tm="100000">
-                                          <p:val>
-                                            <p:strVal val="#ppt_y"/>
-                                          </p:val>
-                                        </p:tav>
-                                      </p:tavLst>
-                                    </p:anim>
-                                  </p:childTnLst>
-                                </p:cTn>
-                              </p:par>
-                            </p:childTnLst>
-                          </p:cTn>
-                        </p:par>
-                      </p:childTnLst>
-                    </p:cTn>
-                  </p:par>
-                </p:childTnLst>
-              </p:cTn>
-              <p:prevCondLst>
-                <p:cond evt="onPrev" delay="0">
-                  <p:tgtEl>
-                    <p:sldTgt/>
-                  </p:tgtEl>
-                </p:cond>
-              </p:prevCondLst>
-              <p:nextCondLst>
-                <p:cond evt="onNext" delay="0">
-                  <p:tgtEl>
-                    <p:sldTgt/>
-                  </p:tgtEl>
-                </p:cond>
-              </p:nextCondLst>
-            </p:seq>
-          </p:childTnLst>
-        </p:cTn>
-      </p:par>
-    </p:tnLst>
-  </p:timing>
-</p:sld>
-</file>
-
 <file path=ppt/slides/slide5.xml><?xml version="1.0" encoding="utf-8"?>
 <p:sld xmlns:a="http://schemas.openxmlformats.org/drawingml/2006/main" xmlns:r="http://schemas.openxmlformats.org/officeDocument/2006/relationships" xmlns:p="http://schemas.openxmlformats.org/presentationml/2006/main">
   <p:cSld>
@@ -6016,7 +6176,15 @@
             </a:r>
             <a:r>
               <a:rPr lang="zh-CN" altLang="en-US" dirty="0"/>
-              <a:t>浏览器中的“自动翻译”功能为例，该功能逻辑为：打开新网页时，判断页面英文文字比例，若满足一定条件时，则自动弹出“翻译询问浮层”，点击翻译按钮后，将网页中英文翻译为中文</a:t>
+              <a:t>浏览器中的“自动翻译”功能为例，该功能逻辑为：打开新网页时，判断页面英文文字比例，若满足一定条件时，则自动弹出“翻译询问浮层”，点击翻译按钮后，将网页</a:t>
+            </a:r>
+            <a:r>
+              <a:rPr lang="zh-CN" altLang="en-US" dirty="0" smtClean="0"/>
+              <a:t>中的英文</a:t>
+            </a:r>
+            <a:r>
+              <a:rPr lang="zh-CN" altLang="en-US" dirty="0"/>
+              <a:t>翻译为中文</a:t>
             </a:r>
           </a:p>
         </p:txBody>
@@ -6066,108 +6234,6 @@
 </file>
 
 <file path=ppt/slides/slide6.xml><?xml version="1.0" encoding="utf-8"?>
-<p:sld xmlns:a="http://schemas.openxmlformats.org/drawingml/2006/main" xmlns:r="http://schemas.openxmlformats.org/officeDocument/2006/relationships" xmlns:p="http://schemas.openxmlformats.org/presentationml/2006/main">
-  <p:cSld>
-    <p:spTree>
-      <p:nvGrpSpPr>
-        <p:cNvPr id="1" name=""/>
-        <p:cNvGrpSpPr/>
-        <p:nvPr/>
-      </p:nvGrpSpPr>
-      <p:grpSpPr>
-        <a:xfrm>
-          <a:off x="0" y="0"/>
-          <a:ext cx="0" cy="0"/>
-          <a:chOff x="0" y="0"/>
-          <a:chExt cx="0" cy="0"/>
-        </a:xfrm>
-      </p:grpSpPr>
-      <p:sp>
-        <p:nvSpPr>
-          <p:cNvPr id="2" name="标题 1"/>
-          <p:cNvSpPr>
-            <a:spLocks noGrp="1"/>
-          </p:cNvSpPr>
-          <p:nvPr>
-            <p:ph type="title"/>
-          </p:nvPr>
-        </p:nvSpPr>
-        <p:spPr/>
-        <p:txBody>
-          <a:bodyPr/>
-          <a:lstStyle/>
-          <a:p>
-            <a:r>
-              <a:rPr lang="zh-CN" altLang="en-US" dirty="0"/>
-              <a:t>地标测试法举例</a:t>
-            </a:r>
-          </a:p>
-        </p:txBody>
-      </p:sp>
-      <p:sp>
-        <p:nvSpPr>
-          <p:cNvPr id="3" name="内容占位符 2"/>
-          <p:cNvSpPr>
-            <a:spLocks noGrp="1"/>
-          </p:cNvSpPr>
-          <p:nvPr>
-            <p:ph idx="1"/>
-          </p:nvPr>
-        </p:nvSpPr>
-        <p:spPr/>
-        <p:txBody>
-          <a:bodyPr/>
-          <a:lstStyle/>
-          <a:p>
-            <a:endParaRPr lang="zh-CN" altLang="en-US" dirty="0"/>
-          </a:p>
-        </p:txBody>
-      </p:sp>
-      <p:pic>
-        <p:nvPicPr>
-          <p:cNvPr id="4" name="图片 3"/>
-          <p:cNvPicPr>
-            <a:picLocks noChangeAspect="1"/>
-          </p:cNvPicPr>
-          <p:nvPr/>
-        </p:nvPicPr>
-        <p:blipFill>
-          <a:blip r:embed="rId2"/>
-          <a:stretch>
-            <a:fillRect/>
-          </a:stretch>
-        </p:blipFill>
-        <p:spPr>
-          <a:xfrm>
-            <a:off x="1215722" y="1232599"/>
-            <a:ext cx="7140221" cy="4343790"/>
-          </a:xfrm>
-          <a:prstGeom prst="rect">
-            <a:avLst/>
-          </a:prstGeom>
-        </p:spPr>
-      </p:pic>
-    </p:spTree>
-    <p:extLst>
-      <p:ext uri="{BB962C8B-B14F-4D97-AF65-F5344CB8AC3E}">
-        <p14:creationId xmlns:p14="http://schemas.microsoft.com/office/powerpoint/2010/main" val="2626680666"/>
-      </p:ext>
-    </p:extLst>
-  </p:cSld>
-  <p:clrMapOvr>
-    <a:masterClrMapping/>
-  </p:clrMapOvr>
-  <p:timing>
-    <p:tnLst>
-      <p:par>
-        <p:cTn id="1" dur="indefinite" restart="never" nodeType="tmRoot"/>
-      </p:par>
-    </p:tnLst>
-  </p:timing>
-</p:sld>
-</file>
-
-<file path=ppt/slides/slide7.xml><?xml version="1.0" encoding="utf-8"?>
 <p:sld xmlns:a="http://schemas.openxmlformats.org/drawingml/2006/main" xmlns:r="http://schemas.openxmlformats.org/officeDocument/2006/relationships" xmlns:p="http://schemas.openxmlformats.org/presentationml/2006/main">
   <p:cSld>
     <p:spTree>
@@ -6444,6 +6510,108 @@
 </p:sld>
 </file>
 
+<file path=ppt/slides/slide7.xml><?xml version="1.0" encoding="utf-8"?>
+<p:sld xmlns:a="http://schemas.openxmlformats.org/drawingml/2006/main" xmlns:r="http://schemas.openxmlformats.org/officeDocument/2006/relationships" xmlns:p="http://schemas.openxmlformats.org/presentationml/2006/main">
+  <p:cSld>
+    <p:spTree>
+      <p:nvGrpSpPr>
+        <p:cNvPr id="1" name=""/>
+        <p:cNvGrpSpPr/>
+        <p:nvPr/>
+      </p:nvGrpSpPr>
+      <p:grpSpPr>
+        <a:xfrm>
+          <a:off x="0" y="0"/>
+          <a:ext cx="0" cy="0"/>
+          <a:chOff x="0" y="0"/>
+          <a:chExt cx="0" cy="0"/>
+        </a:xfrm>
+      </p:grpSpPr>
+      <p:sp>
+        <p:nvSpPr>
+          <p:cNvPr id="2" name="标题 1"/>
+          <p:cNvSpPr>
+            <a:spLocks noGrp="1"/>
+          </p:cNvSpPr>
+          <p:nvPr>
+            <p:ph type="title"/>
+          </p:nvPr>
+        </p:nvSpPr>
+        <p:spPr/>
+        <p:txBody>
+          <a:bodyPr/>
+          <a:lstStyle/>
+          <a:p>
+            <a:r>
+              <a:rPr lang="zh-CN" altLang="en-US" dirty="0"/>
+              <a:t>地标测试法举例</a:t>
+            </a:r>
+          </a:p>
+        </p:txBody>
+      </p:sp>
+      <p:sp>
+        <p:nvSpPr>
+          <p:cNvPr id="3" name="内容占位符 2"/>
+          <p:cNvSpPr>
+            <a:spLocks noGrp="1"/>
+          </p:cNvSpPr>
+          <p:nvPr>
+            <p:ph idx="1"/>
+          </p:nvPr>
+        </p:nvSpPr>
+        <p:spPr/>
+        <p:txBody>
+          <a:bodyPr/>
+          <a:lstStyle/>
+          <a:p>
+            <a:endParaRPr lang="zh-CN" altLang="en-US" dirty="0"/>
+          </a:p>
+        </p:txBody>
+      </p:sp>
+      <p:pic>
+        <p:nvPicPr>
+          <p:cNvPr id="4" name="图片 3"/>
+          <p:cNvPicPr>
+            <a:picLocks noChangeAspect="1"/>
+          </p:cNvPicPr>
+          <p:nvPr/>
+        </p:nvPicPr>
+        <p:blipFill>
+          <a:blip r:embed="rId2"/>
+          <a:stretch>
+            <a:fillRect/>
+          </a:stretch>
+        </p:blipFill>
+        <p:spPr>
+          <a:xfrm>
+            <a:off x="1215722" y="1232599"/>
+            <a:ext cx="7140221" cy="4343790"/>
+          </a:xfrm>
+          <a:prstGeom prst="rect">
+            <a:avLst/>
+          </a:prstGeom>
+        </p:spPr>
+      </p:pic>
+    </p:spTree>
+    <p:extLst>
+      <p:ext uri="{BB962C8B-B14F-4D97-AF65-F5344CB8AC3E}">
+        <p14:creationId xmlns:p14="http://schemas.microsoft.com/office/powerpoint/2010/main" val="2626680666"/>
+      </p:ext>
+    </p:extLst>
+  </p:cSld>
+  <p:clrMapOvr>
+    <a:masterClrMapping/>
+  </p:clrMapOvr>
+  <p:timing>
+    <p:tnLst>
+      <p:par>
+        <p:cTn id="1" dur="indefinite" restart="never" nodeType="tmRoot"/>
+      </p:par>
+    </p:tnLst>
+  </p:timing>
+</p:sld>
+</file>
+
 <file path=ppt/slides/slide8.xml><?xml version="1.0" encoding="utf-8"?>
 <p:sld xmlns:a="http://schemas.openxmlformats.org/drawingml/2006/main" xmlns:r="http://schemas.openxmlformats.org/officeDocument/2006/relationships" xmlns:p="http://schemas.openxmlformats.org/presentationml/2006/main">
   <p:cSld>
@@ -6537,6 +6705,13 @@
   <p:clrMapOvr>
     <a:masterClrMapping/>
   </p:clrMapOvr>
+  <p:timing>
+    <p:tnLst>
+      <p:par>
+        <p:cTn id="1" dur="indefinite" restart="never" nodeType="tmRoot"/>
+      </p:par>
+    </p:tnLst>
+  </p:timing>
 </p:sld>
 </file>
 
